--- a/project-review1 grp-26.pptx
+++ b/project-review1 grp-26.pptx
@@ -15,8 +15,6 @@
     <p:sldId id="276" r:id="rId9"/>
     <p:sldId id="271" r:id="rId10"/>
     <p:sldId id="278" r:id="rId11"/>
-    <p:sldId id="277" r:id="rId12"/>
-    <p:sldId id="279" r:id="rId13"/>
   </p:sldIdLst>
   <p:sldSz cx="12192000" cy="6858000"/>
   <p:notesSz cx="6858000" cy="9144000"/>
@@ -133,20 +131,6 @@
     </p:extLst>
   </p:cmAuthor>
 </p:cmAuthorLst>
-</file>
-
-<file path=ppt/comments/comment1.xml><?xml version="1.0" encoding="utf-8"?>
-<p:cmLst xmlns:a="http://schemas.openxmlformats.org/drawingml/2006/main" xmlns:r="http://schemas.openxmlformats.org/officeDocument/2006/relationships" xmlns:p="http://schemas.openxmlformats.org/presentationml/2006/main">
-  <p:cm authorId="1" dt="2022-10-14T10:20:04.640" idx="1">
-    <p:pos x="10" y="10"/>
-    <p:text>notfixed</p:text>
-    <p:extLst>
-      <p:ext uri="{C676402C-5697-4E1C-873F-D02D1690AC5C}">
-        <p15:threadingInfo xmlns:p15="http://schemas.microsoft.com/office/powerpoint/2012/main" timeZoneBias="-330"/>
-      </p:ext>
-    </p:extLst>
-  </p:cm>
-</p:cmLst>
 </file>
 
 <file path=ppt/diagrams/colors1.xml><?xml version="1.0" encoding="utf-8"?>
@@ -16727,7 +16711,7 @@
           <a:p>
             <a:fld id="{7E958B14-FCA0-44A4-9D18-FD238B1D25B6}" type="datetimeFigureOut">
               <a:rPr lang="en-IN" smtClean="0"/>
-              <a:t>14-10-2022</a:t>
+              <a:t>14-11-2022</a:t>
             </a:fld>
             <a:endParaRPr lang="en-IN"/>
           </a:p>
@@ -16935,7 +16919,7 @@
           <a:p>
             <a:fld id="{7E958B14-FCA0-44A4-9D18-FD238B1D25B6}" type="datetimeFigureOut">
               <a:rPr lang="en-IN" smtClean="0"/>
-              <a:t>14-10-2022</a:t>
+              <a:t>14-11-2022</a:t>
             </a:fld>
             <a:endParaRPr lang="en-IN"/>
           </a:p>
@@ -17191,7 +17175,7 @@
           <a:p>
             <a:fld id="{7E958B14-FCA0-44A4-9D18-FD238B1D25B6}" type="datetimeFigureOut">
               <a:rPr lang="en-IN" smtClean="0"/>
-              <a:t>14-10-2022</a:t>
+              <a:t>14-11-2022</a:t>
             </a:fld>
             <a:endParaRPr lang="en-IN"/>
           </a:p>
@@ -17361,7 +17345,7 @@
           <a:p>
             <a:fld id="{7E958B14-FCA0-44A4-9D18-FD238B1D25B6}" type="datetimeFigureOut">
               <a:rPr lang="en-IN" smtClean="0"/>
-              <a:t>14-10-2022</a:t>
+              <a:t>14-11-2022</a:t>
             </a:fld>
             <a:endParaRPr lang="en-IN"/>
           </a:p>
@@ -17704,7 +17688,7 @@
           <a:p>
             <a:fld id="{7E958B14-FCA0-44A4-9D18-FD238B1D25B6}" type="datetimeFigureOut">
               <a:rPr lang="en-IN" smtClean="0"/>
-              <a:t>14-10-2022</a:t>
+              <a:t>14-11-2022</a:t>
             </a:fld>
             <a:endParaRPr lang="en-IN"/>
           </a:p>
@@ -17979,7 +17963,7 @@
           <a:p>
             <a:fld id="{7E958B14-FCA0-44A4-9D18-FD238B1D25B6}" type="datetimeFigureOut">
               <a:rPr lang="en-IN" smtClean="0"/>
-              <a:t>14-10-2022</a:t>
+              <a:t>14-11-2022</a:t>
             </a:fld>
             <a:endParaRPr lang="en-IN"/>
           </a:p>
@@ -18358,7 +18342,7 @@
           <a:p>
             <a:fld id="{7E958B14-FCA0-44A4-9D18-FD238B1D25B6}" type="datetimeFigureOut">
               <a:rPr lang="en-IN" smtClean="0"/>
-              <a:t>14-10-2022</a:t>
+              <a:t>14-11-2022</a:t>
             </a:fld>
             <a:endParaRPr lang="en-IN"/>
           </a:p>
@@ -18476,7 +18460,7 @@
           <a:p>
             <a:fld id="{7E958B14-FCA0-44A4-9D18-FD238B1D25B6}" type="datetimeFigureOut">
               <a:rPr lang="en-IN" smtClean="0"/>
-              <a:t>14-10-2022</a:t>
+              <a:t>14-11-2022</a:t>
             </a:fld>
             <a:endParaRPr lang="en-IN"/>
           </a:p>
@@ -18647,7 +18631,7 @@
           <a:p>
             <a:fld id="{7E958B14-FCA0-44A4-9D18-FD238B1D25B6}" type="datetimeFigureOut">
               <a:rPr lang="en-IN" smtClean="0"/>
-              <a:t>14-10-2022</a:t>
+              <a:t>14-11-2022</a:t>
             </a:fld>
             <a:endParaRPr lang="en-IN"/>
           </a:p>
@@ -19001,7 +18985,7 @@
           <a:p>
             <a:fld id="{7E958B14-FCA0-44A4-9D18-FD238B1D25B6}" type="datetimeFigureOut">
               <a:rPr lang="en-IN" smtClean="0"/>
-              <a:t>14-10-2022</a:t>
+              <a:t>14-11-2022</a:t>
             </a:fld>
             <a:endParaRPr lang="en-IN"/>
           </a:p>
@@ -19378,7 +19362,7 @@
           <a:p>
             <a:fld id="{7E958B14-FCA0-44A4-9D18-FD238B1D25B6}" type="datetimeFigureOut">
               <a:rPr lang="en-IN" smtClean="0"/>
-              <a:t>14-10-2022</a:t>
+              <a:t>14-11-2022</a:t>
             </a:fld>
             <a:endParaRPr lang="en-IN"/>
           </a:p>
@@ -19665,7 +19649,7 @@
           <a:p>
             <a:fld id="{7E958B14-FCA0-44A4-9D18-FD238B1D25B6}" type="datetimeFigureOut">
               <a:rPr lang="en-IN" smtClean="0"/>
-              <a:t>14-10-2022</a:t>
+              <a:t>14-11-2022</a:t>
             </a:fld>
             <a:endParaRPr lang="en-IN"/>
           </a:p>
@@ -20770,289 +20754,6 @@
     <p:extLst>
       <p:ext uri="{BB962C8B-B14F-4D97-AF65-F5344CB8AC3E}">
         <p14:creationId xmlns:p14="http://schemas.microsoft.com/office/powerpoint/2010/main" val="2377879089"/>
-      </p:ext>
-    </p:extLst>
-  </p:cSld>
-  <p:clrMapOvr>
-    <a:masterClrMapping/>
-  </p:clrMapOvr>
-</p:sld>
-</file>
-
-<file path=ppt/slides/slide11.xml><?xml version="1.0" encoding="utf-8"?>
-<p:sld xmlns:a="http://schemas.openxmlformats.org/drawingml/2006/main" xmlns:r="http://schemas.openxmlformats.org/officeDocument/2006/relationships" xmlns:p="http://schemas.openxmlformats.org/presentationml/2006/main">
-  <p:cSld>
-    <p:spTree>
-      <p:nvGrpSpPr>
-        <p:cNvPr id="1" name=""/>
-        <p:cNvGrpSpPr/>
-        <p:nvPr/>
-      </p:nvGrpSpPr>
-      <p:grpSpPr>
-        <a:xfrm>
-          <a:off x="0" y="0"/>
-          <a:ext cx="0" cy="0"/>
-          <a:chOff x="0" y="0"/>
-          <a:chExt cx="0" cy="0"/>
-        </a:xfrm>
-      </p:grpSpPr>
-      <p:sp>
-        <p:nvSpPr>
-          <p:cNvPr id="2" name="Title 1">
-            <a:extLst>
-              <a:ext uri="{FF2B5EF4-FFF2-40B4-BE49-F238E27FC236}">
-                <a16:creationId xmlns:a16="http://schemas.microsoft.com/office/drawing/2014/main" id="{149A71F9-0FDA-49F8-A3EE-C7D4C58C835D}"/>
-              </a:ext>
-            </a:extLst>
-          </p:cNvPr>
-          <p:cNvSpPr>
-            <a:spLocks noGrp="1"/>
-          </p:cNvSpPr>
-          <p:nvPr>
-            <p:ph type="title"/>
-          </p:nvPr>
-        </p:nvSpPr>
-        <p:spPr>
-          <a:xfrm>
-            <a:off x="4344373" y="1338422"/>
-            <a:ext cx="4270442" cy="1425464"/>
-          </a:xfrm>
-        </p:spPr>
-        <p:txBody>
-          <a:bodyPr>
-            <a:normAutofit fontScale="90000"/>
-          </a:bodyPr>
-          <a:lstStyle/>
-          <a:p>
-            <a:r>
-              <a:rPr lang="en-US" sz="4400" spc="0" dirty="0">
-                <a:ln w="0"/>
-                <a:solidFill>
-                  <a:schemeClr val="tx1"/>
-                </a:solidFill>
-                <a:effectLst>
-                  <a:outerShdw blurRad="38100" dist="19050" dir="2700000" algn="tl" rotWithShape="0">
-                    <a:schemeClr val="dk1">
-                      <a:alpha val="40000"/>
-                    </a:schemeClr>
-                  </a:outerShdw>
-                </a:effectLst>
-              </a:rPr>
-              <a:t>Algorithms</a:t>
-            </a:r>
-            <a:br>
-              <a:rPr lang="en-US" sz="4400" b="0" cap="none" spc="0" dirty="0">
-                <a:ln w="0"/>
-                <a:solidFill>
-                  <a:schemeClr val="tx1"/>
-                </a:solidFill>
-                <a:effectLst>
-                  <a:outerShdw blurRad="38100" dist="19050" dir="2700000" algn="tl" rotWithShape="0">
-                    <a:schemeClr val="dk1">
-                      <a:alpha val="40000"/>
-                    </a:schemeClr>
-                  </a:outerShdw>
-                </a:effectLst>
-              </a:rPr>
-            </a:br>
-            <a:br>
-              <a:rPr lang="en-US" sz="4400" b="0" cap="none" spc="0" dirty="0">
-                <a:ln w="0"/>
-                <a:solidFill>
-                  <a:schemeClr val="tx1"/>
-                </a:solidFill>
-                <a:effectLst>
-                  <a:outerShdw blurRad="38100" dist="19050" dir="2700000" algn="tl" rotWithShape="0">
-                    <a:schemeClr val="dk1">
-                      <a:alpha val="40000"/>
-                    </a:schemeClr>
-                  </a:outerShdw>
-                </a:effectLst>
-              </a:rPr>
-            </a:br>
-            <a:endParaRPr lang="en-IN" dirty="0"/>
-          </a:p>
-        </p:txBody>
-      </p:sp>
-      <p:sp>
-        <p:nvSpPr>
-          <p:cNvPr id="3" name="TextBox 2">
-            <a:extLst>
-              <a:ext uri="{FF2B5EF4-FFF2-40B4-BE49-F238E27FC236}">
-                <a16:creationId xmlns:a16="http://schemas.microsoft.com/office/drawing/2014/main" id="{F4757BCE-06DC-4AF1-4290-C2BE66B7F371}"/>
-              </a:ext>
-            </a:extLst>
-          </p:cNvPr>
-          <p:cNvSpPr txBox="1"/>
-          <p:nvPr/>
-        </p:nvSpPr>
-        <p:spPr>
-          <a:xfrm>
-            <a:off x="1229310" y="2051154"/>
-            <a:ext cx="9370266" cy="2012346"/>
-          </a:xfrm>
-          <a:prstGeom prst="rect">
-            <a:avLst/>
-          </a:prstGeom>
-          <a:noFill/>
-        </p:spPr>
-        <p:txBody>
-          <a:bodyPr wrap="square">
-            <a:spAutoFit/>
-          </a:bodyPr>
-          <a:lstStyle/>
-          <a:p>
-            <a:pPr lvl="0" algn="just">
-              <a:lnSpc>
-                <a:spcPct val="150000"/>
-              </a:lnSpc>
-              <a:spcAft>
-                <a:spcPts val="800"/>
-              </a:spcAft>
-            </a:pPr>
-            <a:r>
-              <a:rPr lang="en-US" dirty="0">
-                <a:effectLst/>
-                <a:latin typeface="Times New Roman" panose="02020603050405020304" pitchFamily="18" charset="0"/>
-                <a:ea typeface="Calibri" panose="020F0502020204030204" pitchFamily="34" charset="0"/>
-              </a:rPr>
-              <a:t>ASSOCIATION </a:t>
-            </a:r>
-          </a:p>
-          <a:p>
-            <a:pPr lvl="0" algn="just">
-              <a:lnSpc>
-                <a:spcPct val="150000"/>
-              </a:lnSpc>
-              <a:spcAft>
-                <a:spcPts val="800"/>
-              </a:spcAft>
-            </a:pPr>
-            <a:r>
-              <a:rPr lang="en-US" dirty="0">
-                <a:latin typeface="Times New Roman" panose="02020603050405020304" pitchFamily="18" charset="0"/>
-                <a:ea typeface="Calibri" panose="020F0502020204030204" pitchFamily="34" charset="0"/>
-              </a:rPr>
-              <a:t>CLASSIFICATION</a:t>
-            </a:r>
-          </a:p>
-          <a:p>
-            <a:pPr lvl="0" algn="just">
-              <a:lnSpc>
-                <a:spcPct val="150000"/>
-              </a:lnSpc>
-              <a:spcAft>
-                <a:spcPts val="800"/>
-              </a:spcAft>
-            </a:pPr>
-            <a:r>
-              <a:rPr lang="en-IN" dirty="0">
-                <a:effectLst/>
-                <a:latin typeface="Times New Roman" panose="02020603050405020304" pitchFamily="18" charset="0"/>
-                <a:ea typeface="Calibri" panose="020F0502020204030204" pitchFamily="34" charset="0"/>
-              </a:rPr>
-              <a:t>SIMILARITY</a:t>
-            </a:r>
-          </a:p>
-          <a:p>
-            <a:pPr lvl="0" algn="ctr">
-              <a:lnSpc>
-                <a:spcPct val="150000"/>
-              </a:lnSpc>
-              <a:spcAft>
-                <a:spcPts val="800"/>
-              </a:spcAft>
-            </a:pPr>
-            <a:r>
-              <a:rPr lang="en-IN" dirty="0">
-                <a:effectLst/>
-                <a:highlight>
-                  <a:srgbClr val="FFFF00"/>
-                </a:highlight>
-                <a:latin typeface="Times New Roman" panose="02020603050405020304" pitchFamily="18" charset="0"/>
-                <a:ea typeface="Calibri" panose="020F0502020204030204" pitchFamily="34" charset="0"/>
-              </a:rPr>
-              <a:t>Yet to finalize</a:t>
-            </a:r>
-          </a:p>
-        </p:txBody>
-      </p:sp>
-    </p:spTree>
-    <p:extLst>
-      <p:ext uri="{BB962C8B-B14F-4D97-AF65-F5344CB8AC3E}">
-        <p14:creationId xmlns:p14="http://schemas.microsoft.com/office/powerpoint/2010/main" val="1249051755"/>
-      </p:ext>
-    </p:extLst>
-  </p:cSld>
-  <p:clrMapOvr>
-    <a:masterClrMapping/>
-  </p:clrMapOvr>
-</p:sld>
-</file>
-
-<file path=ppt/slides/slide12.xml><?xml version="1.0" encoding="utf-8"?>
-<p:sld xmlns:a="http://schemas.openxmlformats.org/drawingml/2006/main" xmlns:r="http://schemas.openxmlformats.org/officeDocument/2006/relationships" xmlns:p="http://schemas.openxmlformats.org/presentationml/2006/main">
-  <p:cSld>
-    <p:spTree>
-      <p:nvGrpSpPr>
-        <p:cNvPr id="1" name=""/>
-        <p:cNvGrpSpPr/>
-        <p:nvPr/>
-      </p:nvGrpSpPr>
-      <p:grpSpPr>
-        <a:xfrm>
-          <a:off x="0" y="0"/>
-          <a:ext cx="0" cy="0"/>
-          <a:chOff x="0" y="0"/>
-          <a:chExt cx="0" cy="0"/>
-        </a:xfrm>
-      </p:grpSpPr>
-      <p:sp>
-        <p:nvSpPr>
-          <p:cNvPr id="2" name="Title 1">
-            <a:extLst>
-              <a:ext uri="{FF2B5EF4-FFF2-40B4-BE49-F238E27FC236}">
-                <a16:creationId xmlns:a16="http://schemas.microsoft.com/office/drawing/2014/main" id="{195B8202-CB7A-425D-C453-BBAFF69E6FFF}"/>
-              </a:ext>
-            </a:extLst>
-          </p:cNvPr>
-          <p:cNvSpPr>
-            <a:spLocks noGrp="1"/>
-          </p:cNvSpPr>
-          <p:nvPr>
-            <p:ph type="title"/>
-          </p:nvPr>
-        </p:nvSpPr>
-        <p:spPr>
-          <a:xfrm>
-            <a:off x="1066800" y="2095083"/>
-            <a:ext cx="10058400" cy="1450757"/>
-          </a:xfrm>
-        </p:spPr>
-        <p:txBody>
-          <a:bodyPr/>
-          <a:lstStyle/>
-          <a:p>
-            <a:pPr algn="ctr"/>
-            <a:r>
-              <a:rPr lang="en-US" dirty="0"/>
-              <a:t>END</a:t>
-            </a:r>
-            <a:br>
-              <a:rPr lang="en-US" dirty="0"/>
-            </a:br>
-            <a:r>
-              <a:rPr lang="en-US" dirty="0"/>
-              <a:t>THANK YOU !</a:t>
-            </a:r>
-            <a:endParaRPr lang="en-IN" dirty="0"/>
-          </a:p>
-        </p:txBody>
-      </p:sp>
-    </p:spTree>
-    <p:extLst>
-      <p:ext uri="{BB962C8B-B14F-4D97-AF65-F5344CB8AC3E}">
-        <p14:creationId xmlns:p14="http://schemas.microsoft.com/office/powerpoint/2010/main" val="1003706513"/>
       </p:ext>
     </p:extLst>
   </p:cSld>

--- a/project-review1 grp-26.pptx
+++ b/project-review1 grp-26.pptx
@@ -12,7 +12,7 @@
     <p:sldId id="258" r:id="rId6"/>
     <p:sldId id="275" r:id="rId7"/>
     <p:sldId id="272" r:id="rId8"/>
-    <p:sldId id="276" r:id="rId9"/>
+    <p:sldId id="279" r:id="rId9"/>
     <p:sldId id="271" r:id="rId10"/>
     <p:sldId id="278" r:id="rId11"/>
   </p:sldIdLst>
@@ -16711,7 +16711,7 @@
           <a:p>
             <a:fld id="{7E958B14-FCA0-44A4-9D18-FD238B1D25B6}" type="datetimeFigureOut">
               <a:rPr lang="en-IN" smtClean="0"/>
-              <a:t>14-11-2022</a:t>
+              <a:t>15-11-2022</a:t>
             </a:fld>
             <a:endParaRPr lang="en-IN"/>
           </a:p>
@@ -16919,7 +16919,7 @@
           <a:p>
             <a:fld id="{7E958B14-FCA0-44A4-9D18-FD238B1D25B6}" type="datetimeFigureOut">
               <a:rPr lang="en-IN" smtClean="0"/>
-              <a:t>14-11-2022</a:t>
+              <a:t>15-11-2022</a:t>
             </a:fld>
             <a:endParaRPr lang="en-IN"/>
           </a:p>
@@ -17175,7 +17175,7 @@
           <a:p>
             <a:fld id="{7E958B14-FCA0-44A4-9D18-FD238B1D25B6}" type="datetimeFigureOut">
               <a:rPr lang="en-IN" smtClean="0"/>
-              <a:t>14-11-2022</a:t>
+              <a:t>15-11-2022</a:t>
             </a:fld>
             <a:endParaRPr lang="en-IN"/>
           </a:p>
@@ -17345,7 +17345,7 @@
           <a:p>
             <a:fld id="{7E958B14-FCA0-44A4-9D18-FD238B1D25B6}" type="datetimeFigureOut">
               <a:rPr lang="en-IN" smtClean="0"/>
-              <a:t>14-11-2022</a:t>
+              <a:t>15-11-2022</a:t>
             </a:fld>
             <a:endParaRPr lang="en-IN"/>
           </a:p>
@@ -17688,7 +17688,7 @@
           <a:p>
             <a:fld id="{7E958B14-FCA0-44A4-9D18-FD238B1D25B6}" type="datetimeFigureOut">
               <a:rPr lang="en-IN" smtClean="0"/>
-              <a:t>14-11-2022</a:t>
+              <a:t>15-11-2022</a:t>
             </a:fld>
             <a:endParaRPr lang="en-IN"/>
           </a:p>
@@ -17963,7 +17963,7 @@
           <a:p>
             <a:fld id="{7E958B14-FCA0-44A4-9D18-FD238B1D25B6}" type="datetimeFigureOut">
               <a:rPr lang="en-IN" smtClean="0"/>
-              <a:t>14-11-2022</a:t>
+              <a:t>15-11-2022</a:t>
             </a:fld>
             <a:endParaRPr lang="en-IN"/>
           </a:p>
@@ -18342,7 +18342,7 @@
           <a:p>
             <a:fld id="{7E958B14-FCA0-44A4-9D18-FD238B1D25B6}" type="datetimeFigureOut">
               <a:rPr lang="en-IN" smtClean="0"/>
-              <a:t>14-11-2022</a:t>
+              <a:t>15-11-2022</a:t>
             </a:fld>
             <a:endParaRPr lang="en-IN"/>
           </a:p>
@@ -18460,7 +18460,7 @@
           <a:p>
             <a:fld id="{7E958B14-FCA0-44A4-9D18-FD238B1D25B6}" type="datetimeFigureOut">
               <a:rPr lang="en-IN" smtClean="0"/>
-              <a:t>14-11-2022</a:t>
+              <a:t>15-11-2022</a:t>
             </a:fld>
             <a:endParaRPr lang="en-IN"/>
           </a:p>
@@ -18631,7 +18631,7 @@
           <a:p>
             <a:fld id="{7E958B14-FCA0-44A4-9D18-FD238B1D25B6}" type="datetimeFigureOut">
               <a:rPr lang="en-IN" smtClean="0"/>
-              <a:t>14-11-2022</a:t>
+              <a:t>15-11-2022</a:t>
             </a:fld>
             <a:endParaRPr lang="en-IN"/>
           </a:p>
@@ -18985,7 +18985,7 @@
           <a:p>
             <a:fld id="{7E958B14-FCA0-44A4-9D18-FD238B1D25B6}" type="datetimeFigureOut">
               <a:rPr lang="en-IN" smtClean="0"/>
-              <a:t>14-11-2022</a:t>
+              <a:t>15-11-2022</a:t>
             </a:fld>
             <a:endParaRPr lang="en-IN"/>
           </a:p>
@@ -19362,7 +19362,7 @@
           <a:p>
             <a:fld id="{7E958B14-FCA0-44A4-9D18-FD238B1D25B6}" type="datetimeFigureOut">
               <a:rPr lang="en-IN" smtClean="0"/>
-              <a:t>14-11-2022</a:t>
+              <a:t>15-11-2022</a:t>
             </a:fld>
             <a:endParaRPr lang="en-IN"/>
           </a:p>
@@ -19649,7 +19649,7 @@
           <a:p>
             <a:fld id="{7E958B14-FCA0-44A4-9D18-FD238B1D25B6}" type="datetimeFigureOut">
               <a:rPr lang="en-IN" smtClean="0"/>
-              <a:t>14-11-2022</a:t>
+              <a:t>15-11-2022</a:t>
             </a:fld>
             <a:endParaRPr lang="en-IN"/>
           </a:p>
@@ -20325,8 +20325,8 @@
         </p:nvSpPr>
         <p:spPr>
           <a:xfrm>
-            <a:off x="1881412" y="1976258"/>
-            <a:ext cx="5160259" cy="954107"/>
+            <a:off x="2693846" y="1976258"/>
+            <a:ext cx="3535391" cy="954107"/>
           </a:xfrm>
           <a:prstGeom prst="rect">
             <a:avLst/>
@@ -20359,7 +20359,28 @@
                 <a:latin typeface="Times New Roman" panose="02020603050405020304" pitchFamily="18" charset="0"/>
                 <a:ea typeface="Times New Roman" panose="02020603050405020304" pitchFamily="18" charset="0"/>
               </a:rPr>
-              <a:t>Crop Pattern Recommendation</a:t>
+              <a:t>Crop Yield </a:t>
+            </a:r>
+            <a:r>
+              <a:rPr lang="en-IN" sz="2800" b="1" u="sng" dirty="0">
+                <a:solidFill>
+                  <a:srgbClr val="000000"/>
+                </a:solidFill>
+                <a:latin typeface="Times New Roman" panose="02020603050405020304" pitchFamily="18" charset="0"/>
+                <a:ea typeface="Times New Roman" panose="02020603050405020304" pitchFamily="18" charset="0"/>
+              </a:rPr>
+              <a:t>Predictio</a:t>
+            </a:r>
+            <a:r>
+              <a:rPr lang="en-IN" sz="2800" b="1" u="sng" dirty="0">
+                <a:solidFill>
+                  <a:srgbClr val="000000"/>
+                </a:solidFill>
+                <a:effectLst/>
+                <a:latin typeface="Times New Roman" panose="02020603050405020304" pitchFamily="18" charset="0"/>
+                <a:ea typeface="Times New Roman" panose="02020603050405020304" pitchFamily="18" charset="0"/>
+              </a:rPr>
+              <a:t>n</a:t>
             </a:r>
             <a:endParaRPr lang="en-US" sz="2800" b="1" u="sng" cap="none" spc="0" dirty="0">
               <a:ln w="0"/>
@@ -21726,14 +21747,14 @@
           <p:nvPr>
             <p:extLst>
               <p:ext uri="{D42A27DB-BD31-4B8C-83A1-F6EECF244321}">
-                <p14:modId xmlns:p14="http://schemas.microsoft.com/office/powerpoint/2010/main" val="1186548764"/>
+                <p14:modId xmlns:p14="http://schemas.microsoft.com/office/powerpoint/2010/main" val="2675184109"/>
               </p:ext>
             </p:extLst>
           </p:nvPr>
         </p:nvGraphicFramePr>
         <p:xfrm>
-          <a:off x="914400" y="1117600"/>
-          <a:ext cx="9804400" cy="4565858"/>
+          <a:off x="1193800" y="2049756"/>
+          <a:ext cx="9804400" cy="3403561"/>
         </p:xfrm>
         <a:graphic>
           <a:graphicData uri="http://schemas.openxmlformats.org/drawingml/2006/table">
@@ -21770,236 +21791,12 @@
                     <a:bodyPr/>
                     <a:lstStyle/>
                     <a:p>
+                      <a:pPr algn="just"/>
                       <a:r>
-                        <a:rPr lang="en-US" dirty="0"/>
+                        <a:rPr lang="en-US" sz="1400" b="1" dirty="0"/>
                         <a:t>Sr. No.</a:t>
                       </a:r>
-                      <a:endParaRPr lang="en-IN" dirty="0"/>
-                    </a:p>
-                  </a:txBody>
-                  <a:tcPr>
-                    <a:lnL w="12700" cap="flat" cmpd="sng" algn="ctr">
-                      <a:solidFill>
-                        <a:schemeClr val="tx1"/>
-                      </a:solidFill>
-                      <a:prstDash val="solid"/>
-                      <a:round/>
-                      <a:headEnd type="none" w="med" len="med"/>
-                      <a:tailEnd type="none" w="med" len="med"/>
-                    </a:lnL>
-                    <a:lnR w="12700" cap="flat" cmpd="sng" algn="ctr">
-                      <a:solidFill>
-                        <a:schemeClr val="tx1"/>
-                      </a:solidFill>
-                      <a:prstDash val="solid"/>
-                      <a:round/>
-                      <a:headEnd type="none" w="med" len="med"/>
-                      <a:tailEnd type="none" w="med" len="med"/>
-                    </a:lnR>
-                    <a:lnT w="12700" cap="flat" cmpd="sng" algn="ctr">
-                      <a:solidFill>
-                        <a:schemeClr val="tx1"/>
-                      </a:solidFill>
-                      <a:prstDash val="solid"/>
-                      <a:round/>
-                      <a:headEnd type="none" w="med" len="med"/>
-                      <a:tailEnd type="none" w="med" len="med"/>
-                    </a:lnT>
-                    <a:lnB w="12700" cap="flat" cmpd="sng" algn="ctr">
-                      <a:solidFill>
-                        <a:schemeClr val="tx1"/>
-                      </a:solidFill>
-                      <a:prstDash val="solid"/>
-                      <a:round/>
-                      <a:headEnd type="none" w="med" len="med"/>
-                      <a:tailEnd type="none" w="med" len="med"/>
-                    </a:lnB>
-                  </a:tcPr>
-                </a:tc>
-                <a:tc>
-                  <a:txBody>
-                    <a:bodyPr/>
-                    <a:lstStyle/>
-                    <a:p>
-                      <a:r>
-                        <a:rPr lang="en-US" dirty="0"/>
-                        <a:t>Papers</a:t>
-                      </a:r>
-                      <a:endParaRPr lang="en-IN" dirty="0"/>
-                    </a:p>
-                  </a:txBody>
-                  <a:tcPr>
-                    <a:lnL w="12700" cap="flat" cmpd="sng" algn="ctr">
-                      <a:solidFill>
-                        <a:schemeClr val="tx1"/>
-                      </a:solidFill>
-                      <a:prstDash val="solid"/>
-                      <a:round/>
-                      <a:headEnd type="none" w="med" len="med"/>
-                      <a:tailEnd type="none" w="med" len="med"/>
-                    </a:lnL>
-                    <a:lnR w="12700" cap="flat" cmpd="sng" algn="ctr">
-                      <a:solidFill>
-                        <a:schemeClr val="tx1"/>
-                      </a:solidFill>
-                      <a:prstDash val="solid"/>
-                      <a:round/>
-                      <a:headEnd type="none" w="med" len="med"/>
-                      <a:tailEnd type="none" w="med" len="med"/>
-                    </a:lnR>
-                    <a:lnT w="12700" cap="flat" cmpd="sng" algn="ctr">
-                      <a:solidFill>
-                        <a:schemeClr val="tx1"/>
-                      </a:solidFill>
-                      <a:prstDash val="solid"/>
-                      <a:round/>
-                      <a:headEnd type="none" w="med" len="med"/>
-                      <a:tailEnd type="none" w="med" len="med"/>
-                    </a:lnT>
-                    <a:lnB w="12700" cap="flat" cmpd="sng" algn="ctr">
-                      <a:solidFill>
-                        <a:schemeClr val="tx1"/>
-                      </a:solidFill>
-                      <a:prstDash val="solid"/>
-                      <a:round/>
-                      <a:headEnd type="none" w="med" len="med"/>
-                      <a:tailEnd type="none" w="med" len="med"/>
-                    </a:lnB>
-                  </a:tcPr>
-                </a:tc>
-                <a:tc>
-                  <a:txBody>
-                    <a:bodyPr/>
-                    <a:lstStyle/>
-                    <a:p>
-                      <a:r>
-                        <a:rPr lang="en-US" sz="1800" b="1" kern="1200" dirty="0">
-                          <a:solidFill>
-                            <a:schemeClr val="tx1"/>
-                          </a:solidFill>
-                          <a:effectLst/>
-                          <a:latin typeface="+mn-lt"/>
-                          <a:ea typeface="+mn-ea"/>
-                          <a:cs typeface="+mn-cs"/>
-                        </a:rPr>
-                        <a:t>Topic Reviewed/ Algorithms or methodology used</a:t>
-                      </a:r>
-                      <a:endParaRPr lang="en-IN" dirty="0"/>
-                    </a:p>
-                  </a:txBody>
-                  <a:tcPr>
-                    <a:lnL w="12700" cap="flat" cmpd="sng" algn="ctr">
-                      <a:solidFill>
-                        <a:schemeClr val="tx1"/>
-                      </a:solidFill>
-                      <a:prstDash val="solid"/>
-                      <a:round/>
-                      <a:headEnd type="none" w="med" len="med"/>
-                      <a:tailEnd type="none" w="med" len="med"/>
-                    </a:lnL>
-                    <a:lnR w="12700" cap="flat" cmpd="sng" algn="ctr">
-                      <a:solidFill>
-                        <a:schemeClr val="tx1"/>
-                      </a:solidFill>
-                      <a:prstDash val="solid"/>
-                      <a:round/>
-                      <a:headEnd type="none" w="med" len="med"/>
-                      <a:tailEnd type="none" w="med" len="med"/>
-                    </a:lnR>
-                    <a:lnT w="12700" cap="flat" cmpd="sng" algn="ctr">
-                      <a:solidFill>
-                        <a:schemeClr val="tx1"/>
-                      </a:solidFill>
-                      <a:prstDash val="solid"/>
-                      <a:round/>
-                      <a:headEnd type="none" w="med" len="med"/>
-                      <a:tailEnd type="none" w="med" len="med"/>
-                    </a:lnT>
-                    <a:lnB w="12700" cap="flat" cmpd="sng" algn="ctr">
-                      <a:solidFill>
-                        <a:schemeClr val="tx1"/>
-                      </a:solidFill>
-                      <a:prstDash val="solid"/>
-                      <a:round/>
-                      <a:headEnd type="none" w="med" len="med"/>
-                      <a:tailEnd type="none" w="med" len="med"/>
-                    </a:lnB>
-                  </a:tcPr>
-                </a:tc>
-                <a:extLst>
-                  <a:ext uri="{0D108BD9-81ED-4DB2-BD59-A6C34878D82A}">
-                    <a16:rowId xmlns:a16="http://schemas.microsoft.com/office/drawing/2014/main" val="1826734095"/>
-                  </a:ext>
-                </a:extLst>
-              </a:tr>
-              <a:tr h="2188418">
-                <a:tc>
-                  <a:txBody>
-                    <a:bodyPr/>
-                    <a:lstStyle/>
-                    <a:p>
-                      <a:r>
-                        <a:rPr lang="en-US" dirty="0"/>
-                        <a:t>1</a:t>
-                      </a:r>
-                      <a:endParaRPr lang="en-IN" dirty="0"/>
-                    </a:p>
-                  </a:txBody>
-                  <a:tcPr>
-                    <a:lnL w="12700" cap="flat" cmpd="sng" algn="ctr">
-                      <a:solidFill>
-                        <a:schemeClr val="tx1"/>
-                      </a:solidFill>
-                      <a:prstDash val="solid"/>
-                      <a:round/>
-                      <a:headEnd type="none" w="med" len="med"/>
-                      <a:tailEnd type="none" w="med" len="med"/>
-                    </a:lnL>
-                    <a:lnR w="12700" cap="flat" cmpd="sng" algn="ctr">
-                      <a:solidFill>
-                        <a:schemeClr val="tx1"/>
-                      </a:solidFill>
-                      <a:prstDash val="solid"/>
-                      <a:round/>
-                      <a:headEnd type="none" w="med" len="med"/>
-                      <a:tailEnd type="none" w="med" len="med"/>
-                    </a:lnR>
-                    <a:lnT w="12700" cap="flat" cmpd="sng" algn="ctr">
-                      <a:solidFill>
-                        <a:schemeClr val="tx1"/>
-                      </a:solidFill>
-                      <a:prstDash val="solid"/>
-                      <a:round/>
-                      <a:headEnd type="none" w="med" len="med"/>
-                      <a:tailEnd type="none" w="med" len="med"/>
-                    </a:lnT>
-                    <a:lnB w="12700" cap="flat" cmpd="sng" algn="ctr">
-                      <a:solidFill>
-                        <a:schemeClr val="tx1"/>
-                      </a:solidFill>
-                      <a:prstDash val="solid"/>
-                      <a:round/>
-                      <a:headEnd type="none" w="med" len="med"/>
-                      <a:tailEnd type="none" w="med" len="med"/>
-                    </a:lnB>
-                  </a:tcPr>
-                </a:tc>
-                <a:tc>
-                  <a:txBody>
-                    <a:bodyPr/>
-                    <a:lstStyle/>
-                    <a:p>
-                      <a:r>
-                        <a:rPr lang="en-US" dirty="0"/>
-                        <a:t>A Comparative Analysis of Machine Learning Prediction Techniques for Crop Yield Prediction in India </a:t>
-                      </a:r>
-                    </a:p>
-                    <a:p>
-                      <a:r>
-                        <a:rPr lang="en-US" dirty="0"/>
-                        <a:t>A.P.S Manideep, Dr. Seema Kharb</a:t>
-                      </a:r>
-                      <a:endParaRPr lang="en-IN" dirty="0"/>
+                      <a:endParaRPr lang="en-IN" sz="1400" b="1" dirty="0"/>
                     </a:p>
                   </a:txBody>
                   <a:tcPr>
@@ -22048,7 +21845,59 @@
                     <a:p>
                       <a:pPr algn="just"/>
                       <a:r>
-                        <a:rPr lang="en-US" sz="1800" kern="1200" dirty="0">
+                        <a:rPr lang="en-US" sz="1400" b="1" dirty="0"/>
+                        <a:t>Papers</a:t>
+                      </a:r>
+                      <a:endParaRPr lang="en-IN" sz="1400" b="1" dirty="0"/>
+                    </a:p>
+                  </a:txBody>
+                  <a:tcPr>
+                    <a:lnL w="12700" cap="flat" cmpd="sng" algn="ctr">
+                      <a:solidFill>
+                        <a:schemeClr val="tx1"/>
+                      </a:solidFill>
+                      <a:prstDash val="solid"/>
+                      <a:round/>
+                      <a:headEnd type="none" w="med" len="med"/>
+                      <a:tailEnd type="none" w="med" len="med"/>
+                    </a:lnL>
+                    <a:lnR w="12700" cap="flat" cmpd="sng" algn="ctr">
+                      <a:solidFill>
+                        <a:schemeClr val="tx1"/>
+                      </a:solidFill>
+                      <a:prstDash val="solid"/>
+                      <a:round/>
+                      <a:headEnd type="none" w="med" len="med"/>
+                      <a:tailEnd type="none" w="med" len="med"/>
+                    </a:lnR>
+                    <a:lnT w="12700" cap="flat" cmpd="sng" algn="ctr">
+                      <a:solidFill>
+                        <a:schemeClr val="tx1"/>
+                      </a:solidFill>
+                      <a:prstDash val="solid"/>
+                      <a:round/>
+                      <a:headEnd type="none" w="med" len="med"/>
+                      <a:tailEnd type="none" w="med" len="med"/>
+                    </a:lnT>
+                    <a:lnB w="12700" cap="flat" cmpd="sng" algn="ctr">
+                      <a:solidFill>
+                        <a:schemeClr val="tx1"/>
+                      </a:solidFill>
+                      <a:prstDash val="solid"/>
+                      <a:round/>
+                      <a:headEnd type="none" w="med" len="med"/>
+                      <a:tailEnd type="none" w="med" len="med"/>
+                    </a:lnB>
+                  </a:tcPr>
+                </a:tc>
+                <a:tc>
+                  <a:txBody>
+                    <a:bodyPr/>
+                    <a:lstStyle/>
+                    <a:p>
+                      <a:pPr algn="just"/>
+                      <a:r>
+                        <a:rPr lang="en-US" sz="1400" b="1" kern="1200" dirty="0">
                           <a:solidFill>
                             <a:schemeClr val="tx1"/>
                           </a:solidFill>
@@ -22057,17 +21906,201 @@
                           <a:ea typeface="+mn-ea"/>
                           <a:cs typeface="+mn-cs"/>
                         </a:rPr>
-                        <a:t>This paper presents a machine learning framework for crop yield prediction using crop and weather data. It also compares the performance of potential machine learning methods like regression, decision trees, random forest, support vector machine and gradient boosting to forecast the yield of 80 crops in India for the year 2001 to 2016 using historical data</a:t>
+                        <a:t>Topic Reviewed/ Algorithms or methodology used</a:t>
                       </a:r>
-                      <a:endParaRPr lang="en-IN" sz="1800" kern="1200" dirty="0">
-                        <a:solidFill>
-                          <a:schemeClr val="tx1"/>
-                        </a:solidFill>
-                        <a:effectLst/>
-                        <a:latin typeface="+mn-lt"/>
-                        <a:ea typeface="+mn-ea"/>
-                        <a:cs typeface="+mn-cs"/>
-                      </a:endParaRPr>
+                      <a:endParaRPr lang="en-IN" sz="1400" dirty="0"/>
+                    </a:p>
+                  </a:txBody>
+                  <a:tcPr>
+                    <a:lnL w="12700" cap="flat" cmpd="sng" algn="ctr">
+                      <a:solidFill>
+                        <a:schemeClr val="tx1"/>
+                      </a:solidFill>
+                      <a:prstDash val="solid"/>
+                      <a:round/>
+                      <a:headEnd type="none" w="med" len="med"/>
+                      <a:tailEnd type="none" w="med" len="med"/>
+                    </a:lnL>
+                    <a:lnR w="12700" cap="flat" cmpd="sng" algn="ctr">
+                      <a:solidFill>
+                        <a:schemeClr val="tx1"/>
+                      </a:solidFill>
+                      <a:prstDash val="solid"/>
+                      <a:round/>
+                      <a:headEnd type="none" w="med" len="med"/>
+                      <a:tailEnd type="none" w="med" len="med"/>
+                    </a:lnR>
+                    <a:lnT w="12700" cap="flat" cmpd="sng" algn="ctr">
+                      <a:solidFill>
+                        <a:schemeClr val="tx1"/>
+                      </a:solidFill>
+                      <a:prstDash val="solid"/>
+                      <a:round/>
+                      <a:headEnd type="none" w="med" len="med"/>
+                      <a:tailEnd type="none" w="med" len="med"/>
+                    </a:lnT>
+                    <a:lnB w="12700" cap="flat" cmpd="sng" algn="ctr">
+                      <a:solidFill>
+                        <a:schemeClr val="tx1"/>
+                      </a:solidFill>
+                      <a:prstDash val="solid"/>
+                      <a:round/>
+                      <a:headEnd type="none" w="med" len="med"/>
+                      <a:tailEnd type="none" w="med" len="med"/>
+                    </a:lnB>
+                  </a:tcPr>
+                </a:tc>
+                <a:extLst>
+                  <a:ext uri="{0D108BD9-81ED-4DB2-BD59-A6C34878D82A}">
+                    <a16:rowId xmlns:a16="http://schemas.microsoft.com/office/drawing/2014/main" val="1826734095"/>
+                  </a:ext>
+                </a:extLst>
+              </a:tr>
+              <a:tr h="1371459">
+                <a:tc>
+                  <a:txBody>
+                    <a:bodyPr/>
+                    <a:lstStyle/>
+                    <a:p>
+                      <a:pPr algn="just"/>
+                      <a:r>
+                        <a:rPr lang="en-US" sz="1400" dirty="0"/>
+                        <a:t>1</a:t>
+                      </a:r>
+                      <a:endParaRPr lang="en-IN" sz="1400" dirty="0"/>
+                    </a:p>
+                  </a:txBody>
+                  <a:tcPr>
+                    <a:lnL w="12700" cap="flat" cmpd="sng" algn="ctr">
+                      <a:solidFill>
+                        <a:schemeClr val="tx1"/>
+                      </a:solidFill>
+                      <a:prstDash val="solid"/>
+                      <a:round/>
+                      <a:headEnd type="none" w="med" len="med"/>
+                      <a:tailEnd type="none" w="med" len="med"/>
+                    </a:lnL>
+                    <a:lnR w="12700" cap="flat" cmpd="sng" algn="ctr">
+                      <a:solidFill>
+                        <a:schemeClr val="tx1"/>
+                      </a:solidFill>
+                      <a:prstDash val="solid"/>
+                      <a:round/>
+                      <a:headEnd type="none" w="med" len="med"/>
+                      <a:tailEnd type="none" w="med" len="med"/>
+                    </a:lnR>
+                    <a:lnT w="12700" cap="flat" cmpd="sng" algn="ctr">
+                      <a:solidFill>
+                        <a:schemeClr val="tx1"/>
+                      </a:solidFill>
+                      <a:prstDash val="solid"/>
+                      <a:round/>
+                      <a:headEnd type="none" w="med" len="med"/>
+                      <a:tailEnd type="none" w="med" len="med"/>
+                    </a:lnT>
+                    <a:lnB w="12700" cap="flat" cmpd="sng" algn="ctr">
+                      <a:solidFill>
+                        <a:schemeClr val="tx1"/>
+                      </a:solidFill>
+                      <a:prstDash val="solid"/>
+                      <a:round/>
+                      <a:headEnd type="none" w="med" len="med"/>
+                      <a:tailEnd type="none" w="med" len="med"/>
+                    </a:lnB>
+                  </a:tcPr>
+                </a:tc>
+                <a:tc>
+                  <a:txBody>
+                    <a:bodyPr/>
+                    <a:lstStyle/>
+                    <a:p>
+                      <a:pPr algn="just"/>
+                      <a:r>
+                        <a:rPr lang="en-IN" sz="1400" kern="1200" dirty="0">
+                          <a:solidFill>
+                            <a:schemeClr val="tx1"/>
+                          </a:solidFill>
+                          <a:effectLst/>
+                          <a:latin typeface="+mn-lt"/>
+                          <a:ea typeface="+mn-ea"/>
+                          <a:cs typeface="+mn-cs"/>
+                        </a:rPr>
+                        <a:t>Crop Prediction using Machine Learning.</a:t>
+                      </a:r>
+                    </a:p>
+                    <a:p>
+                      <a:pPr algn="just"/>
+                      <a:r>
+                        <a:rPr lang="en-IN" sz="1400" kern="1200" dirty="0">
+                          <a:solidFill>
+                            <a:schemeClr val="tx1"/>
+                          </a:solidFill>
+                          <a:effectLst/>
+                          <a:latin typeface="+mn-lt"/>
+                          <a:ea typeface="+mn-ea"/>
+                          <a:cs typeface="+mn-cs"/>
+                        </a:rPr>
+                        <a:t>Authors: Kalimuthu, P. Vaishnavi, M. Kishore</a:t>
+                      </a:r>
+                    </a:p>
+                  </a:txBody>
+                  <a:tcPr>
+                    <a:lnL w="12700" cap="flat" cmpd="sng" algn="ctr">
+                      <a:solidFill>
+                        <a:schemeClr val="tx1"/>
+                      </a:solidFill>
+                      <a:prstDash val="solid"/>
+                      <a:round/>
+                      <a:headEnd type="none" w="med" len="med"/>
+                      <a:tailEnd type="none" w="med" len="med"/>
+                    </a:lnL>
+                    <a:lnR w="12700" cap="flat" cmpd="sng" algn="ctr">
+                      <a:solidFill>
+                        <a:schemeClr val="tx1"/>
+                      </a:solidFill>
+                      <a:prstDash val="solid"/>
+                      <a:round/>
+                      <a:headEnd type="none" w="med" len="med"/>
+                      <a:tailEnd type="none" w="med" len="med"/>
+                    </a:lnR>
+                    <a:lnT w="12700" cap="flat" cmpd="sng" algn="ctr">
+                      <a:solidFill>
+                        <a:schemeClr val="tx1"/>
+                      </a:solidFill>
+                      <a:prstDash val="solid"/>
+                      <a:round/>
+                      <a:headEnd type="none" w="med" len="med"/>
+                      <a:tailEnd type="none" w="med" len="med"/>
+                    </a:lnT>
+                    <a:lnB w="12700" cap="flat" cmpd="sng" algn="ctr">
+                      <a:solidFill>
+                        <a:schemeClr val="tx1"/>
+                      </a:solidFill>
+                      <a:prstDash val="solid"/>
+                      <a:round/>
+                      <a:headEnd type="none" w="med" len="med"/>
+                      <a:tailEnd type="none" w="med" len="med"/>
+                    </a:lnB>
+                  </a:tcPr>
+                </a:tc>
+                <a:tc>
+                  <a:txBody>
+                    <a:bodyPr/>
+                    <a:lstStyle/>
+                    <a:p>
+                      <a:pPr algn="just"/>
+                      <a:r>
+                        <a:rPr lang="en-IN" sz="1400" kern="1200" dirty="0">
+                          <a:solidFill>
+                            <a:schemeClr val="tx1"/>
+                          </a:solidFill>
+                          <a:effectLst/>
+                          <a:latin typeface="+mn-lt"/>
+                          <a:ea typeface="+mn-ea"/>
+                          <a:cs typeface="+mn-cs"/>
+                        </a:rPr>
+                        <a:t>In this paper, the authors have proposed machine learning algorithm which suggest crop based on input parameters like soil, temperature, etc.</a:t>
+                      </a:r>
                     </a:p>
                   </a:txBody>
                   <a:tcPr>
@@ -22121,11 +22154,12 @@
                     <a:bodyPr/>
                     <a:lstStyle/>
                     <a:p>
+                      <a:pPr algn="just"/>
                       <a:r>
-                        <a:rPr lang="en-US" dirty="0"/>
+                        <a:rPr lang="en-US" sz="1400" dirty="0"/>
                         <a:t>2</a:t>
                       </a:r>
-                      <a:endParaRPr lang="en-IN" dirty="0"/>
+                      <a:endParaRPr lang="en-IN" sz="1400" dirty="0"/>
                     </a:p>
                   </a:txBody>
                   <a:tcPr>
@@ -22172,13 +22206,68 @@
                     <a:bodyPr/>
                     <a:lstStyle/>
                     <a:p>
+                      <a:pPr algn="just">
+                        <a:lnSpc>
+                          <a:spcPct val="115000"/>
+                        </a:lnSpc>
+                        <a:spcAft>
+                          <a:spcPts val="1000"/>
+                        </a:spcAft>
+                      </a:pPr>
                       <a:r>
-                        <a:rPr lang="en-IN" dirty="0"/>
-                        <a:t>Crop yield prediction using machine learning: A systematic literature review Thomas van Klompenburga , Ayalew Kassahuna , Cagatay Catalb</a:t>
+                        <a:rPr lang="en-IN" sz="1400" dirty="0">
+                          <a:solidFill>
+                            <a:srgbClr val="00000A"/>
+                          </a:solidFill>
+                          <a:effectLst/>
+                          <a:latin typeface="Times New Roman" panose="02020603050405020304" pitchFamily="18" charset="0"/>
+                          <a:ea typeface="Calibri" panose="020F0502020204030204" pitchFamily="34" charset="0"/>
+                        </a:rPr>
+                        <a:t>Prediction of Crop Yield using Regression Analysis</a:t>
                       </a:r>
                     </a:p>
+                    <a:p>
+                      <a:pPr algn="just">
+                        <a:lnSpc>
+                          <a:spcPct val="115000"/>
+                        </a:lnSpc>
+                        <a:spcAft>
+                          <a:spcPts val="1000"/>
+                        </a:spcAft>
+                      </a:pPr>
+                      <a:r>
+                        <a:rPr lang="en-IN" sz="1400" dirty="0">
+                          <a:solidFill>
+                            <a:srgbClr val="00000A"/>
+                          </a:solidFill>
+                          <a:effectLst/>
+                          <a:latin typeface="Times New Roman" panose="02020603050405020304" pitchFamily="18" charset="0"/>
+                          <a:ea typeface="Calibri" panose="020F0502020204030204" pitchFamily="34" charset="0"/>
+                        </a:rPr>
+                        <a:t>Authors: Renuka, Sujata </a:t>
+                      </a:r>
+                      <a:r>
+                        <a:rPr lang="en-IN" sz="1400" dirty="0" err="1">
+                          <a:solidFill>
+                            <a:srgbClr val="00000A"/>
+                          </a:solidFill>
+                          <a:effectLst/>
+                          <a:latin typeface="Times New Roman" panose="02020603050405020304" pitchFamily="18" charset="0"/>
+                          <a:ea typeface="Calibri" panose="020F0502020204030204" pitchFamily="34" charset="0"/>
+                        </a:rPr>
+                        <a:t>Terdal</a:t>
+                      </a:r>
+                      <a:endParaRPr lang="en-IN" sz="1400" dirty="0">
+                        <a:solidFill>
+                          <a:srgbClr val="00000A"/>
+                        </a:solidFill>
+                        <a:effectLst/>
+                        <a:latin typeface="Times New Roman" panose="02020603050405020304" pitchFamily="18" charset="0"/>
+                        <a:ea typeface="Calibri" panose="020F0502020204030204" pitchFamily="34" charset="0"/>
+                      </a:endParaRPr>
+                    </a:p>
                   </a:txBody>
-                  <a:tcPr>
+                  <a:tcPr marL="11430" marR="68580" marT="0" marB="0">
                     <a:lnL w="12700" cap="flat" cmpd="sng" algn="ctr">
                       <a:solidFill>
                         <a:schemeClr val="tx1"/>
@@ -22222,11 +22311,24 @@
                     <a:bodyPr/>
                     <a:lstStyle/>
                     <a:p>
+                      <a:pPr algn="just"/>
                       <a:r>
-                        <a:rPr lang="en-US" dirty="0"/>
-                        <a:t> Carefully, analyzed the methods and features used, and provided suggestions for further research. According to analysis, the most used features are temperature, rainfall, and soil type, and the most applied algorithm is Artificial Neural Networks in these models</a:t>
+                        <a:rPr lang="en-US" sz="1400" dirty="0"/>
+                        <a:t> </a:t>
                       </a:r>
-                      <a:endParaRPr lang="en-IN" dirty="0"/>
+                      <a:r>
+                        <a:rPr lang="en-IN" sz="1400" kern="1200" dirty="0">
+                          <a:solidFill>
+                            <a:schemeClr val="tx1"/>
+                          </a:solidFill>
+                          <a:effectLst/>
+                          <a:latin typeface="+mn-lt"/>
+                          <a:ea typeface="+mn-ea"/>
+                          <a:cs typeface="+mn-cs"/>
+                        </a:rPr>
+                        <a:t>In this paper, the authors have deeply elaborated and explained the approach of Regression </a:t>
+                      </a:r>
+                      <a:endParaRPr lang="en-IN" sz="1400" dirty="0"/>
                     </a:p>
                   </a:txBody>
                   <a:tcPr>
@@ -22310,10 +22412,10 @@
       </p:grpSpPr>
       <p:graphicFrame>
         <p:nvGraphicFramePr>
-          <p:cNvPr id="5" name="Table 5">
+          <p:cNvPr id="2" name="Table 5">
             <a:extLst>
               <a:ext uri="{FF2B5EF4-FFF2-40B4-BE49-F238E27FC236}">
-                <a16:creationId xmlns:a16="http://schemas.microsoft.com/office/drawing/2014/main" id="{F05442E0-688F-4029-8304-281DEB2EF77E}"/>
+                <a16:creationId xmlns:a16="http://schemas.microsoft.com/office/drawing/2014/main" id="{9E6E60AD-7863-80EA-6C2E-251964ACB3C9}"/>
               </a:ext>
             </a:extLst>
           </p:cNvPr>
@@ -22323,14 +22425,14 @@
           <p:nvPr>
             <p:extLst>
               <p:ext uri="{D42A27DB-BD31-4B8C-83A1-F6EECF244321}">
-                <p14:modId xmlns:p14="http://schemas.microsoft.com/office/powerpoint/2010/main" val="309201614"/>
+                <p14:modId xmlns:p14="http://schemas.microsoft.com/office/powerpoint/2010/main" val="552163866"/>
               </p:ext>
             </p:extLst>
           </p:nvPr>
         </p:nvGraphicFramePr>
         <p:xfrm>
           <a:off x="914400" y="1117600"/>
-          <a:ext cx="9804400" cy="5114498"/>
+          <a:ext cx="9804400" cy="3520104"/>
         </p:xfrm>
         <a:graphic>
           <a:graphicData uri="http://schemas.openxmlformats.org/drawingml/2006/table">
@@ -22367,275 +22469,12 @@
                     <a:bodyPr/>
                     <a:lstStyle/>
                     <a:p>
+                      <a:pPr algn="just"/>
                       <a:r>
-                        <a:rPr lang="en-US" dirty="0"/>
-                        <a:t>Sr. No.</a:t>
-                      </a:r>
-                      <a:endParaRPr lang="en-IN" dirty="0"/>
-                    </a:p>
-                  </a:txBody>
-                  <a:tcPr>
-                    <a:lnL w="12700" cap="flat" cmpd="sng" algn="ctr">
-                      <a:solidFill>
-                        <a:schemeClr val="tx1"/>
-                      </a:solidFill>
-                      <a:prstDash val="solid"/>
-                      <a:round/>
-                      <a:headEnd type="none" w="med" len="med"/>
-                      <a:tailEnd type="none" w="med" len="med"/>
-                    </a:lnL>
-                    <a:lnR w="12700" cap="flat" cmpd="sng" algn="ctr">
-                      <a:solidFill>
-                        <a:schemeClr val="tx1"/>
-                      </a:solidFill>
-                      <a:prstDash val="solid"/>
-                      <a:round/>
-                      <a:headEnd type="none" w="med" len="med"/>
-                      <a:tailEnd type="none" w="med" len="med"/>
-                    </a:lnR>
-                    <a:lnT w="12700" cap="flat" cmpd="sng" algn="ctr">
-                      <a:solidFill>
-                        <a:schemeClr val="tx1"/>
-                      </a:solidFill>
-                      <a:prstDash val="solid"/>
-                      <a:round/>
-                      <a:headEnd type="none" w="med" len="med"/>
-                      <a:tailEnd type="none" w="med" len="med"/>
-                    </a:lnT>
-                    <a:lnB w="12700" cap="flat" cmpd="sng" algn="ctr">
-                      <a:solidFill>
-                        <a:schemeClr val="tx1"/>
-                      </a:solidFill>
-                      <a:prstDash val="solid"/>
-                      <a:round/>
-                      <a:headEnd type="none" w="med" len="med"/>
-                      <a:tailEnd type="none" w="med" len="med"/>
-                    </a:lnB>
-                  </a:tcPr>
-                </a:tc>
-                <a:tc>
-                  <a:txBody>
-                    <a:bodyPr/>
-                    <a:lstStyle/>
-                    <a:p>
-                      <a:r>
-                        <a:rPr lang="en-US" dirty="0"/>
-                        <a:t>Papers</a:t>
-                      </a:r>
-                      <a:endParaRPr lang="en-IN" dirty="0"/>
-                    </a:p>
-                  </a:txBody>
-                  <a:tcPr>
-                    <a:lnL w="12700" cap="flat" cmpd="sng" algn="ctr">
-                      <a:solidFill>
-                        <a:schemeClr val="tx1"/>
-                      </a:solidFill>
-                      <a:prstDash val="solid"/>
-                      <a:round/>
-                      <a:headEnd type="none" w="med" len="med"/>
-                      <a:tailEnd type="none" w="med" len="med"/>
-                    </a:lnL>
-                    <a:lnR w="12700" cap="flat" cmpd="sng" algn="ctr">
-                      <a:solidFill>
-                        <a:schemeClr val="tx1"/>
-                      </a:solidFill>
-                      <a:prstDash val="solid"/>
-                      <a:round/>
-                      <a:headEnd type="none" w="med" len="med"/>
-                      <a:tailEnd type="none" w="med" len="med"/>
-                    </a:lnR>
-                    <a:lnT w="12700" cap="flat" cmpd="sng" algn="ctr">
-                      <a:solidFill>
-                        <a:schemeClr val="tx1"/>
-                      </a:solidFill>
-                      <a:prstDash val="solid"/>
-                      <a:round/>
-                      <a:headEnd type="none" w="med" len="med"/>
-                      <a:tailEnd type="none" w="med" len="med"/>
-                    </a:lnT>
-                    <a:lnB w="12700" cap="flat" cmpd="sng" algn="ctr">
-                      <a:solidFill>
-                        <a:schemeClr val="tx1"/>
-                      </a:solidFill>
-                      <a:prstDash val="solid"/>
-                      <a:round/>
-                      <a:headEnd type="none" w="med" len="med"/>
-                      <a:tailEnd type="none" w="med" len="med"/>
-                    </a:lnB>
-                  </a:tcPr>
-                </a:tc>
-                <a:tc>
-                  <a:txBody>
-                    <a:bodyPr/>
-                    <a:lstStyle/>
-                    <a:p>
-                      <a:r>
-                        <a:rPr lang="en-US" sz="1800" b="1" kern="1200" dirty="0">
-                          <a:solidFill>
-                            <a:schemeClr val="tx1"/>
-                          </a:solidFill>
-                          <a:effectLst/>
-                          <a:latin typeface="+mn-lt"/>
-                          <a:ea typeface="+mn-ea"/>
-                          <a:cs typeface="+mn-cs"/>
-                        </a:rPr>
-                        <a:t>Topic Reviewed/ Algorithms or methodology used</a:t>
-                      </a:r>
-                      <a:endParaRPr lang="en-IN" dirty="0"/>
-                    </a:p>
-                  </a:txBody>
-                  <a:tcPr>
-                    <a:lnL w="12700" cap="flat" cmpd="sng" algn="ctr">
-                      <a:solidFill>
-                        <a:schemeClr val="tx1"/>
-                      </a:solidFill>
-                      <a:prstDash val="solid"/>
-                      <a:round/>
-                      <a:headEnd type="none" w="med" len="med"/>
-                      <a:tailEnd type="none" w="med" len="med"/>
-                    </a:lnL>
-                    <a:lnR w="12700" cap="flat" cmpd="sng" algn="ctr">
-                      <a:solidFill>
-                        <a:schemeClr val="tx1"/>
-                      </a:solidFill>
-                      <a:prstDash val="solid"/>
-                      <a:round/>
-                      <a:headEnd type="none" w="med" len="med"/>
-                      <a:tailEnd type="none" w="med" len="med"/>
-                    </a:lnR>
-                    <a:lnT w="12700" cap="flat" cmpd="sng" algn="ctr">
-                      <a:solidFill>
-                        <a:schemeClr val="tx1"/>
-                      </a:solidFill>
-                      <a:prstDash val="solid"/>
-                      <a:round/>
-                      <a:headEnd type="none" w="med" len="med"/>
-                      <a:tailEnd type="none" w="med" len="med"/>
-                    </a:lnT>
-                    <a:lnB w="12700" cap="flat" cmpd="sng" algn="ctr">
-                      <a:solidFill>
-                        <a:schemeClr val="tx1"/>
-                      </a:solidFill>
-                      <a:prstDash val="solid"/>
-                      <a:round/>
-                      <a:headEnd type="none" w="med" len="med"/>
-                      <a:tailEnd type="none" w="med" len="med"/>
-                    </a:lnB>
-                  </a:tcPr>
-                </a:tc>
-                <a:extLst>
-                  <a:ext uri="{0D108BD9-81ED-4DB2-BD59-A6C34878D82A}">
-                    <a16:rowId xmlns:a16="http://schemas.microsoft.com/office/drawing/2014/main" val="1826734095"/>
-                  </a:ext>
-                </a:extLst>
-              </a:tr>
-              <a:tr h="2188418">
-                <a:tc>
-                  <a:txBody>
-                    <a:bodyPr/>
-                    <a:lstStyle/>
-                    <a:p>
-                      <a:r>
-                        <a:rPr lang="en-US" dirty="0"/>
+                        <a:rPr lang="en-US" sz="1400" dirty="0"/>
                         <a:t>3</a:t>
                       </a:r>
-                      <a:endParaRPr lang="en-IN" dirty="0"/>
-                    </a:p>
-                  </a:txBody>
-                  <a:tcPr>
-                    <a:lnL w="12700" cap="flat" cmpd="sng" algn="ctr">
-                      <a:solidFill>
-                        <a:schemeClr val="tx1"/>
-                      </a:solidFill>
-                      <a:prstDash val="solid"/>
-                      <a:round/>
-                      <a:headEnd type="none" w="med" len="med"/>
-                      <a:tailEnd type="none" w="med" len="med"/>
-                    </a:lnL>
-                    <a:lnR w="12700" cap="flat" cmpd="sng" algn="ctr">
-                      <a:solidFill>
-                        <a:schemeClr val="tx1"/>
-                      </a:solidFill>
-                      <a:prstDash val="solid"/>
-                      <a:round/>
-                      <a:headEnd type="none" w="med" len="med"/>
-                      <a:tailEnd type="none" w="med" len="med"/>
-                    </a:lnR>
-                    <a:lnT w="12700" cap="flat" cmpd="sng" algn="ctr">
-                      <a:solidFill>
-                        <a:schemeClr val="tx1"/>
-                      </a:solidFill>
-                      <a:prstDash val="solid"/>
-                      <a:round/>
-                      <a:headEnd type="none" w="med" len="med"/>
-                      <a:tailEnd type="none" w="med" len="med"/>
-                    </a:lnT>
-                    <a:lnB w="12700" cap="flat" cmpd="sng" algn="ctr">
-                      <a:solidFill>
-                        <a:schemeClr val="tx1"/>
-                      </a:solidFill>
-                      <a:prstDash val="solid"/>
-                      <a:round/>
-                      <a:headEnd type="none" w="med" len="med"/>
-                      <a:tailEnd type="none" w="med" len="med"/>
-                    </a:lnB>
-                  </a:tcPr>
-                </a:tc>
-                <a:tc>
-                  <a:txBody>
-                    <a:bodyPr/>
-                    <a:lstStyle/>
-                    <a:p>
-                      <a:r>
-                        <a:rPr lang="en-US" sz="1800" b="0" i="0" kern="1200" dirty="0">
-                          <a:solidFill>
-                            <a:schemeClr val="tx1"/>
-                          </a:solidFill>
-                          <a:effectLst/>
-                          <a:latin typeface="+mn-lt"/>
-                          <a:ea typeface="+mn-ea"/>
-                          <a:cs typeface="+mn-cs"/>
-                        </a:rPr>
-                        <a:t>Farmer-to-Consumer Direct Marketing: The Role of Customer Satisfaction Measurement for Service Innovations</a:t>
-                      </a:r>
-                    </a:p>
-                    <a:p>
-                      <a:r>
-                        <a:rPr lang="en-US" sz="1800" b="0" i="0" kern="1200" dirty="0">
-                          <a:solidFill>
-                            <a:schemeClr val="tx1"/>
-                          </a:solidFill>
-                          <a:effectLst/>
-                          <a:latin typeface="+mn-lt"/>
-                          <a:ea typeface="+mn-ea"/>
-                          <a:cs typeface="+mn-cs"/>
-                        </a:rPr>
-                        <a:t>Achim </a:t>
-                      </a:r>
-                      <a:r>
-                        <a:rPr lang="en-US" sz="1800" b="0" i="0" kern="1200" dirty="0" err="1">
-                          <a:solidFill>
-                            <a:schemeClr val="tx1"/>
-                          </a:solidFill>
-                          <a:effectLst/>
-                          <a:latin typeface="+mn-lt"/>
-                          <a:ea typeface="+mn-ea"/>
-                          <a:cs typeface="+mn-cs"/>
-                        </a:rPr>
-                        <a:t>Spiller,Achim</a:t>
-                      </a:r>
-                      <a:r>
-                        <a:rPr lang="en-US" sz="1800" b="0" i="0" kern="1200" dirty="0">
-                          <a:solidFill>
-                            <a:schemeClr val="tx1"/>
-                          </a:solidFill>
-                          <a:effectLst/>
-                          <a:latin typeface="+mn-lt"/>
-                          <a:ea typeface="+mn-ea"/>
-                          <a:cs typeface="+mn-cs"/>
-                        </a:rPr>
-                        <a:t> Spiller</a:t>
-                      </a:r>
+                      <a:endParaRPr lang="en-IN" sz="1400" dirty="0"/>
                     </a:p>
                   </a:txBody>
                   <a:tcPr>
@@ -22684,26 +22523,363 @@
                     <a:p>
                       <a:pPr algn="just"/>
                       <a:r>
-                        <a:rPr lang="en-US" dirty="0"/>
-                        <a:t>This paper analyses the impact of customer satisfaction and its driving forces for farmer-to-consumer direct marketing and is based on a customer survey in 33 organic and conventional on-farm stores in Germany. The results </a:t>
+                        <a:rPr lang="en-IN" sz="1400" kern="1200" dirty="0">
+                          <a:solidFill>
+                            <a:schemeClr val="tx1"/>
+                          </a:solidFill>
+                          <a:effectLst/>
+                          <a:latin typeface="+mn-lt"/>
+                          <a:ea typeface="+mn-ea"/>
+                          <a:cs typeface="+mn-cs"/>
+                        </a:rPr>
+                        <a:t>Evaluation of Machine Learning Algorithms for Crop</a:t>
+                      </a:r>
+                    </a:p>
+                    <a:p>
+                      <a:pPr algn="just"/>
+                      <a:r>
+                        <a:rPr lang="en-IN" sz="1400" kern="1200" dirty="0">
+                          <a:solidFill>
+                            <a:schemeClr val="tx1"/>
+                          </a:solidFill>
+                          <a:effectLst/>
+                          <a:latin typeface="+mn-lt"/>
+                          <a:ea typeface="+mn-ea"/>
+                          <a:cs typeface="+mn-cs"/>
+                        </a:rPr>
+                        <a:t>Authors: Kshira Sagar Sahoo, Bata Krishna Tripathy, Bata Krishna Tripathy, Somula Ramasubbareddy</a:t>
+                      </a:r>
+                      <a:endParaRPr lang="en-IN" sz="1400" dirty="0"/>
+                    </a:p>
+                  </a:txBody>
+                  <a:tcPr>
+                    <a:lnL w="12700" cap="flat" cmpd="sng" algn="ctr">
+                      <a:solidFill>
+                        <a:schemeClr val="tx1"/>
+                      </a:solidFill>
+                      <a:prstDash val="solid"/>
+                      <a:round/>
+                      <a:headEnd type="none" w="med" len="med"/>
+                      <a:tailEnd type="none" w="med" len="med"/>
+                    </a:lnL>
+                    <a:lnR w="12700" cap="flat" cmpd="sng" algn="ctr">
+                      <a:solidFill>
+                        <a:schemeClr val="tx1"/>
+                      </a:solidFill>
+                      <a:prstDash val="solid"/>
+                      <a:round/>
+                      <a:headEnd type="none" w="med" len="med"/>
+                      <a:tailEnd type="none" w="med" len="med"/>
+                    </a:lnR>
+                    <a:lnT w="12700" cap="flat" cmpd="sng" algn="ctr">
+                      <a:solidFill>
+                        <a:schemeClr val="tx1"/>
+                      </a:solidFill>
+                      <a:prstDash val="solid"/>
+                      <a:round/>
+                      <a:headEnd type="none" w="med" len="med"/>
+                      <a:tailEnd type="none" w="med" len="med"/>
+                    </a:lnT>
+                    <a:lnB w="12700" cap="flat" cmpd="sng" algn="ctr">
+                      <a:solidFill>
+                        <a:schemeClr val="tx1"/>
+                      </a:solidFill>
+                      <a:prstDash val="solid"/>
+                      <a:round/>
+                      <a:headEnd type="none" w="med" len="med"/>
+                      <a:tailEnd type="none" w="med" len="med"/>
+                    </a:lnB>
+                  </a:tcPr>
+                </a:tc>
+                <a:tc>
+                  <a:txBody>
+                    <a:bodyPr/>
+                    <a:lstStyle/>
+                    <a:p>
+                      <a:pPr algn="just">
+                        <a:lnSpc>
+                          <a:spcPct val="115000"/>
+                        </a:lnSpc>
+                        <a:spcAft>
+                          <a:spcPts val="1000"/>
+                        </a:spcAft>
+                      </a:pPr>
+                      <a:r>
+                        <a:rPr lang="en-IN" sz="1400" dirty="0">
+                          <a:solidFill>
+                            <a:srgbClr val="00000A"/>
+                          </a:solidFill>
+                          <a:effectLst/>
+                          <a:latin typeface="Times New Roman" panose="02020603050405020304" pitchFamily="18" charset="0"/>
+                          <a:ea typeface="Calibri" panose="020F0502020204030204" pitchFamily="34" charset="0"/>
+                        </a:rPr>
+                        <a:t>In this paper, the authors have proposed support vector machine, decision tree and KNN methodology. </a:t>
+                      </a:r>
+                    </a:p>
+                  </a:txBody>
+                  <a:tcPr marL="11430" marR="68580" marT="0" marB="0">
+                    <a:lnL w="12700" cap="flat" cmpd="sng" algn="ctr">
+                      <a:solidFill>
+                        <a:schemeClr val="tx1"/>
+                      </a:solidFill>
+                      <a:prstDash val="solid"/>
+                      <a:round/>
+                      <a:headEnd type="none" w="med" len="med"/>
+                      <a:tailEnd type="none" w="med" len="med"/>
+                    </a:lnL>
+                    <a:lnR w="12700" cap="flat" cmpd="sng" algn="ctr">
+                      <a:solidFill>
+                        <a:schemeClr val="tx1"/>
+                      </a:solidFill>
+                      <a:prstDash val="solid"/>
+                      <a:round/>
+                      <a:headEnd type="none" w="med" len="med"/>
+                      <a:tailEnd type="none" w="med" len="med"/>
+                    </a:lnR>
+                    <a:lnT w="12700" cap="flat" cmpd="sng" algn="ctr">
+                      <a:solidFill>
+                        <a:schemeClr val="tx1"/>
+                      </a:solidFill>
+                      <a:prstDash val="solid"/>
+                      <a:round/>
+                      <a:headEnd type="none" w="med" len="med"/>
+                      <a:tailEnd type="none" w="med" len="med"/>
+                    </a:lnT>
+                    <a:lnB w="12700" cap="flat" cmpd="sng" algn="ctr">
+                      <a:solidFill>
+                        <a:schemeClr val="tx1"/>
+                      </a:solidFill>
+                      <a:prstDash val="solid"/>
+                      <a:round/>
+                      <a:headEnd type="none" w="med" len="med"/>
+                      <a:tailEnd type="none" w="med" len="med"/>
+                    </a:lnB>
+                  </a:tcPr>
+                </a:tc>
+                <a:extLst>
+                  <a:ext uri="{0D108BD9-81ED-4DB2-BD59-A6C34878D82A}">
+                    <a16:rowId xmlns:a16="http://schemas.microsoft.com/office/drawing/2014/main" val="1826734095"/>
+                  </a:ext>
+                </a:extLst>
+              </a:tr>
+              <a:tr h="2361864">
+                <a:tc>
+                  <a:txBody>
+                    <a:bodyPr/>
+                    <a:lstStyle/>
+                    <a:p>
+                      <a:pPr algn="just"/>
+                      <a:r>
+                        <a:rPr lang="en-US" sz="1400" dirty="0"/>
+                        <a:t>4</a:t>
+                      </a:r>
+                      <a:endParaRPr lang="en-IN" sz="1400" dirty="0"/>
+                    </a:p>
+                  </a:txBody>
+                  <a:tcPr>
+                    <a:lnL w="12700" cap="flat" cmpd="sng" algn="ctr">
+                      <a:solidFill>
+                        <a:schemeClr val="tx1"/>
+                      </a:solidFill>
+                      <a:prstDash val="solid"/>
+                      <a:round/>
+                      <a:headEnd type="none" w="med" len="med"/>
+                      <a:tailEnd type="none" w="med" len="med"/>
+                    </a:lnL>
+                    <a:lnR w="12700" cap="flat" cmpd="sng" algn="ctr">
+                      <a:solidFill>
+                        <a:schemeClr val="tx1"/>
+                      </a:solidFill>
+                      <a:prstDash val="solid"/>
+                      <a:round/>
+                      <a:headEnd type="none" w="med" len="med"/>
+                      <a:tailEnd type="none" w="med" len="med"/>
+                    </a:lnR>
+                    <a:lnT w="12700" cap="flat" cmpd="sng" algn="ctr">
+                      <a:solidFill>
+                        <a:schemeClr val="tx1"/>
+                      </a:solidFill>
+                      <a:prstDash val="solid"/>
+                      <a:round/>
+                      <a:headEnd type="none" w="med" len="med"/>
+                      <a:tailEnd type="none" w="med" len="med"/>
+                    </a:lnT>
+                    <a:lnB w="12700" cap="flat" cmpd="sng" algn="ctr">
+                      <a:solidFill>
+                        <a:schemeClr val="tx1"/>
+                      </a:solidFill>
+                      <a:prstDash val="solid"/>
+                      <a:round/>
+                      <a:headEnd type="none" w="med" len="med"/>
+                      <a:tailEnd type="none" w="med" len="med"/>
+                    </a:lnB>
+                  </a:tcPr>
+                </a:tc>
+                <a:tc>
+                  <a:txBody>
+                    <a:bodyPr/>
+                    <a:lstStyle/>
+                    <a:p>
+                      <a:pPr algn="just">
+                        <a:lnSpc>
+                          <a:spcPct val="115000"/>
+                        </a:lnSpc>
+                        <a:spcAft>
+                          <a:spcPts val="1000"/>
+                        </a:spcAft>
+                      </a:pPr>
+                      <a:r>
+                        <a:rPr lang="en-IN" sz="1400" dirty="0">
+                          <a:solidFill>
+                            <a:srgbClr val="00000A"/>
+                          </a:solidFill>
+                          <a:effectLst/>
+                          <a:latin typeface="Times New Roman" panose="02020603050405020304" pitchFamily="18" charset="0"/>
+                          <a:ea typeface="Calibri" panose="020F0502020204030204" pitchFamily="34" charset="0"/>
+                        </a:rPr>
+                        <a:t>Impact of Machine Learning Techniques in Precision Agriculture </a:t>
+                      </a:r>
+                    </a:p>
+                    <a:p>
+                      <a:pPr algn="just">
+                        <a:lnSpc>
+                          <a:spcPct val="115000"/>
+                        </a:lnSpc>
+                        <a:spcAft>
+                          <a:spcPts val="1000"/>
+                        </a:spcAft>
+                      </a:pPr>
+                      <a:r>
+                        <a:rPr lang="en-IN" sz="1400" dirty="0">
+                          <a:solidFill>
+                            <a:srgbClr val="00000A"/>
+                          </a:solidFill>
+                          <a:effectLst/>
+                          <a:latin typeface="Times New Roman" panose="02020603050405020304" pitchFamily="18" charset="0"/>
+                          <a:ea typeface="Calibri" panose="020F0502020204030204" pitchFamily="34" charset="0"/>
+                        </a:rPr>
+                        <a:t>Authors: </a:t>
                       </a:r>
                       <a:r>
-                        <a:rPr lang="en-US" dirty="0" err="1"/>
-                        <a:t>emphasise</a:t>
+                        <a:rPr lang="en-IN" sz="1400" dirty="0">
+                          <a:solidFill>
+                            <a:srgbClr val="333333"/>
+                          </a:solidFill>
+                          <a:effectLst/>
+                          <a:latin typeface="Times New Roman" panose="02020603050405020304" pitchFamily="18" charset="0"/>
+                          <a:ea typeface="Times New Roman" panose="02020603050405020304" pitchFamily="18" charset="0"/>
+                        </a:rPr>
+                        <a:t>Rahul Katarya, Ashutosh Raturi, Abhinav Mehndiratta, Abhinav Thapper</a:t>
                       </a:r>
-                      <a:r>
-                        <a:rPr lang="en-US" dirty="0"/>
-                        <a:t> the role of store atmosphere and customer service as the main influencing factors on customer satisfaction</a:t>
-                      </a:r>
-                      <a:endParaRPr lang="en-IN" sz="1800" kern="1200" dirty="0">
+                      <a:endParaRPr lang="en-IN" sz="1400" dirty="0">
                         <a:solidFill>
-                          <a:schemeClr val="tx1"/>
+                          <a:srgbClr val="00000A"/>
                         </a:solidFill>
                         <a:effectLst/>
-                        <a:latin typeface="+mn-lt"/>
-                        <a:ea typeface="+mn-ea"/>
-                        <a:cs typeface="+mn-cs"/>
+                        <a:latin typeface="Times New Roman" panose="02020603050405020304" pitchFamily="18" charset="0"/>
+                        <a:ea typeface="Calibri" panose="020F0502020204030204" pitchFamily="34" charset="0"/>
                       </a:endParaRPr>
+                    </a:p>
+                    <a:p>
+                      <a:pPr algn="just">
+                        <a:lnSpc>
+                          <a:spcPct val="115000"/>
+                        </a:lnSpc>
+                        <a:spcAft>
+                          <a:spcPts val="1000"/>
+                        </a:spcAft>
+                      </a:pPr>
+                      <a:r>
+                        <a:rPr lang="en-IN" sz="1400" dirty="0">
+                          <a:solidFill>
+                            <a:srgbClr val="00000A"/>
+                          </a:solidFill>
+                          <a:effectLst/>
+                          <a:latin typeface="Times New Roman" panose="02020603050405020304" pitchFamily="18" charset="0"/>
+                          <a:ea typeface="Calibri" panose="020F0502020204030204" pitchFamily="34" charset="0"/>
+                        </a:rPr>
+                        <a:t> </a:t>
+                      </a:r>
+                    </a:p>
+                    <a:p>
+                      <a:pPr algn="just">
+                        <a:lnSpc>
+                          <a:spcPct val="115000"/>
+                        </a:lnSpc>
+                        <a:spcAft>
+                          <a:spcPts val="1000"/>
+                        </a:spcAft>
+                      </a:pPr>
+                      <a:r>
+                        <a:rPr lang="en-IN" sz="1400" dirty="0">
+                          <a:solidFill>
+                            <a:srgbClr val="00000A"/>
+                          </a:solidFill>
+                          <a:effectLst/>
+                          <a:latin typeface="Times New Roman" panose="02020603050405020304" pitchFamily="18" charset="0"/>
+                          <a:ea typeface="Calibri" panose="020F0502020204030204" pitchFamily="34" charset="0"/>
+                        </a:rPr>
+                        <a:t> </a:t>
+                      </a:r>
+                    </a:p>
+                  </a:txBody>
+                  <a:tcPr marL="11430" marR="68580" marT="0" marB="0">
+                    <a:lnL w="12700" cap="flat" cmpd="sng" algn="ctr">
+                      <a:solidFill>
+                        <a:schemeClr val="tx1"/>
+                      </a:solidFill>
+                      <a:prstDash val="solid"/>
+                      <a:round/>
+                      <a:headEnd type="none" w="med" len="med"/>
+                      <a:tailEnd type="none" w="med" len="med"/>
+                    </a:lnL>
+                    <a:lnR w="12700" cap="flat" cmpd="sng" algn="ctr">
+                      <a:solidFill>
+                        <a:schemeClr val="tx1"/>
+                      </a:solidFill>
+                      <a:prstDash val="solid"/>
+                      <a:round/>
+                      <a:headEnd type="none" w="med" len="med"/>
+                      <a:tailEnd type="none" w="med" len="med"/>
+                    </a:lnR>
+                    <a:lnT w="12700" cap="flat" cmpd="sng" algn="ctr">
+                      <a:solidFill>
+                        <a:schemeClr val="tx1"/>
+                      </a:solidFill>
+                      <a:prstDash val="solid"/>
+                      <a:round/>
+                      <a:headEnd type="none" w="med" len="med"/>
+                      <a:tailEnd type="none" w="med" len="med"/>
+                    </a:lnT>
+                    <a:lnB w="12700" cap="flat" cmpd="sng" algn="ctr">
+                      <a:solidFill>
+                        <a:schemeClr val="tx1"/>
+                      </a:solidFill>
+                      <a:prstDash val="solid"/>
+                      <a:round/>
+                      <a:headEnd type="none" w="med" len="med"/>
+                      <a:tailEnd type="none" w="med" len="med"/>
+                    </a:lnB>
+                  </a:tcPr>
+                </a:tc>
+                <a:tc>
+                  <a:txBody>
+                    <a:bodyPr/>
+                    <a:lstStyle/>
+                    <a:p>
+                      <a:pPr algn="just"/>
+                      <a:r>
+                        <a:rPr lang="en-IN" sz="1400" kern="1200" dirty="0">
+                          <a:solidFill>
+                            <a:schemeClr val="tx1"/>
+                          </a:solidFill>
+                          <a:effectLst/>
+                          <a:latin typeface="+mn-lt"/>
+                          <a:ea typeface="+mn-ea"/>
+                          <a:cs typeface="+mn-cs"/>
+                        </a:rPr>
+                        <a:t>In this paper, the authors have explained different applications of machine learning for agriculture.</a:t>
+                      </a:r>
                     </a:p>
                   </a:txBody>
                   <a:tcPr>
@@ -22751,197 +22927,6 @@
                   </a:ext>
                 </a:extLst>
               </a:tr>
-              <a:tr h="1484998">
-                <a:tc>
-                  <a:txBody>
-                    <a:bodyPr/>
-                    <a:lstStyle/>
-                    <a:p>
-                      <a:r>
-                        <a:rPr lang="en-US" dirty="0"/>
-                        <a:t>4</a:t>
-                      </a:r>
-                      <a:endParaRPr lang="en-IN" dirty="0"/>
-                    </a:p>
-                  </a:txBody>
-                  <a:tcPr>
-                    <a:lnL w="12700" cap="flat" cmpd="sng" algn="ctr">
-                      <a:solidFill>
-                        <a:schemeClr val="tx1"/>
-                      </a:solidFill>
-                      <a:prstDash val="solid"/>
-                      <a:round/>
-                      <a:headEnd type="none" w="med" len="med"/>
-                      <a:tailEnd type="none" w="med" len="med"/>
-                    </a:lnL>
-                    <a:lnR w="12700" cap="flat" cmpd="sng" algn="ctr">
-                      <a:solidFill>
-                        <a:schemeClr val="tx1"/>
-                      </a:solidFill>
-                      <a:prstDash val="solid"/>
-                      <a:round/>
-                      <a:headEnd type="none" w="med" len="med"/>
-                      <a:tailEnd type="none" w="med" len="med"/>
-                    </a:lnR>
-                    <a:lnT w="12700" cap="flat" cmpd="sng" algn="ctr">
-                      <a:solidFill>
-                        <a:schemeClr val="tx1"/>
-                      </a:solidFill>
-                      <a:prstDash val="solid"/>
-                      <a:round/>
-                      <a:headEnd type="none" w="med" len="med"/>
-                      <a:tailEnd type="none" w="med" len="med"/>
-                    </a:lnT>
-                    <a:lnB w="12700" cap="flat" cmpd="sng" algn="ctr">
-                      <a:solidFill>
-                        <a:schemeClr val="tx1"/>
-                      </a:solidFill>
-                      <a:prstDash val="solid"/>
-                      <a:round/>
-                      <a:headEnd type="none" w="med" len="med"/>
-                      <a:tailEnd type="none" w="med" len="med"/>
-                    </a:lnB>
-                  </a:tcPr>
-                </a:tc>
-                <a:tc>
-                  <a:txBody>
-                    <a:bodyPr/>
-                    <a:lstStyle/>
-                    <a:p>
-                      <a:r>
-                        <a:rPr lang="en-IN" dirty="0"/>
-                        <a:t>“A Web System for Farming Management”,</a:t>
-                      </a:r>
-                      <a:r>
-                        <a:rPr lang="en-IN" dirty="0" err="1"/>
-                        <a:t>Glaubos</a:t>
-                      </a:r>
-                      <a:r>
-                        <a:rPr lang="en-IN" dirty="0"/>
-                        <a:t> </a:t>
-                      </a:r>
-                      <a:r>
-                        <a:rPr lang="en-IN" dirty="0" err="1"/>
-                        <a:t>Climaco</a:t>
-                      </a:r>
-                      <a:r>
-                        <a:rPr lang="en-IN" dirty="0"/>
-                        <a:t>, Fernando Chagas, </a:t>
-                      </a:r>
-                      <a:r>
-                        <a:rPr lang="en-IN" dirty="0" err="1"/>
-                        <a:t>Valéria</a:t>
-                      </a:r>
-                      <a:r>
-                        <a:rPr lang="en-IN" dirty="0"/>
-                        <a:t> M. Silva, Gentil V. Barbosa, and Patrick </a:t>
-                      </a:r>
-                      <a:r>
-                        <a:rPr lang="en-IN" dirty="0" err="1"/>
-                        <a:t>Letouze</a:t>
-                      </a:r>
-                      <a:r>
-                        <a:rPr lang="en-IN" dirty="0"/>
-                        <a:t> </a:t>
-                      </a:r>
-                    </a:p>
-                  </a:txBody>
-                  <a:tcPr>
-                    <a:lnL w="12700" cap="flat" cmpd="sng" algn="ctr">
-                      <a:solidFill>
-                        <a:schemeClr val="tx1"/>
-                      </a:solidFill>
-                      <a:prstDash val="solid"/>
-                      <a:round/>
-                      <a:headEnd type="none" w="med" len="med"/>
-                      <a:tailEnd type="none" w="med" len="med"/>
-                    </a:lnL>
-                    <a:lnR w="12700" cap="flat" cmpd="sng" algn="ctr">
-                      <a:solidFill>
-                        <a:schemeClr val="tx1"/>
-                      </a:solidFill>
-                      <a:prstDash val="solid"/>
-                      <a:round/>
-                      <a:headEnd type="none" w="med" len="med"/>
-                      <a:tailEnd type="none" w="med" len="med"/>
-                    </a:lnR>
-                    <a:lnT w="12700" cap="flat" cmpd="sng" algn="ctr">
-                      <a:solidFill>
-                        <a:schemeClr val="tx1"/>
-                      </a:solidFill>
-                      <a:prstDash val="solid"/>
-                      <a:round/>
-                      <a:headEnd type="none" w="med" len="med"/>
-                      <a:tailEnd type="none" w="med" len="med"/>
-                    </a:lnT>
-                    <a:lnB w="12700" cap="flat" cmpd="sng" algn="ctr">
-                      <a:solidFill>
-                        <a:schemeClr val="tx1"/>
-                      </a:solidFill>
-                      <a:prstDash val="solid"/>
-                      <a:round/>
-                      <a:headEnd type="none" w="med" len="med"/>
-                      <a:tailEnd type="none" w="med" len="med"/>
-                    </a:lnB>
-                  </a:tcPr>
-                </a:tc>
-                <a:tc>
-                  <a:txBody>
-                    <a:bodyPr/>
-                    <a:lstStyle/>
-                    <a:p>
-                      <a:r>
-                        <a:rPr lang="en-US" dirty="0"/>
-                        <a:t>This paper presents a web system for farming management that implements a conceptual framework for modeling the production system at a farm scale. The web system supports the design of the production system, which is logically split in three parts: the decision supports sub-system the technical sub-system, and the bio-physical sub-system. Additionally, the web system was designed using interdisciplinary research project management (IRPM) concepts. compensation schemes</a:t>
-                      </a:r>
-                      <a:endParaRPr lang="en-IN" dirty="0"/>
-                    </a:p>
-                  </a:txBody>
-                  <a:tcPr>
-                    <a:lnL w="12700" cap="flat" cmpd="sng" algn="ctr">
-                      <a:solidFill>
-                        <a:schemeClr val="tx1"/>
-                      </a:solidFill>
-                      <a:prstDash val="solid"/>
-                      <a:round/>
-                      <a:headEnd type="none" w="med" len="med"/>
-                      <a:tailEnd type="none" w="med" len="med"/>
-                    </a:lnL>
-                    <a:lnR w="12700" cap="flat" cmpd="sng" algn="ctr">
-                      <a:solidFill>
-                        <a:schemeClr val="tx1"/>
-                      </a:solidFill>
-                      <a:prstDash val="solid"/>
-                      <a:round/>
-                      <a:headEnd type="none" w="med" len="med"/>
-                      <a:tailEnd type="none" w="med" len="med"/>
-                    </a:lnR>
-                    <a:lnT w="12700" cap="flat" cmpd="sng" algn="ctr">
-                      <a:solidFill>
-                        <a:schemeClr val="tx1"/>
-                      </a:solidFill>
-                      <a:prstDash val="solid"/>
-                      <a:round/>
-                      <a:headEnd type="none" w="med" len="med"/>
-                      <a:tailEnd type="none" w="med" len="med"/>
-                    </a:lnT>
-                    <a:lnB w="12700" cap="flat" cmpd="sng" algn="ctr">
-                      <a:solidFill>
-                        <a:schemeClr val="tx1"/>
-                      </a:solidFill>
-                      <a:prstDash val="solid"/>
-                      <a:round/>
-                      <a:headEnd type="none" w="med" len="med"/>
-                      <a:tailEnd type="none" w="med" len="med"/>
-                    </a:lnB>
-                  </a:tcPr>
-                </a:tc>
-                <a:extLst>
-                  <a:ext uri="{0D108BD9-81ED-4DB2-BD59-A6C34878D82A}">
-                    <a16:rowId xmlns:a16="http://schemas.microsoft.com/office/drawing/2014/main" val="2933810794"/>
-                  </a:ext>
-                </a:extLst>
-              </a:tr>
             </a:tbl>
           </a:graphicData>
         </a:graphic>
@@ -22949,7 +22934,7 @@
     </p:spTree>
     <p:extLst>
       <p:ext uri="{BB962C8B-B14F-4D97-AF65-F5344CB8AC3E}">
-        <p14:creationId xmlns:p14="http://schemas.microsoft.com/office/powerpoint/2010/main" val="1145530859"/>
+        <p14:creationId xmlns:p14="http://schemas.microsoft.com/office/powerpoint/2010/main" val="759496069"/>
       </p:ext>
     </p:extLst>
   </p:cSld>
